--- a/ppt 16-9/1251.人生还有几个.pptx
+++ b/ppt 16-9/1251.人生还有几个.pptx
@@ -5,7 +5,7 @@
     <p:sldMasterId id="2147483648" r:id="rId1"/>
   </p:sldMasterIdLst>
   <p:sldIdLst>
-    <p:sldId id="795" r:id="rId2"/>
+    <p:sldId id="797" r:id="rId2"/>
   </p:sldIdLst>
   <p:sldSz cx="12192000" cy="6858000"/>
   <p:notesSz cx="6858000" cy="9144000"/>
@@ -129,7 +129,7 @@
           <p:cNvPr id="2" name="标题 1">
             <a:extLst>
               <a:ext uri="{FF2B5EF4-FFF2-40B4-BE49-F238E27FC236}">
-                <a16:creationId xmlns:a16="http://schemas.microsoft.com/office/drawing/2014/main" id="{6877F72D-352C-B7E1-D485-FA4BE1DACC50}"/>
+                <a16:creationId xmlns:a16="http://schemas.microsoft.com/office/drawing/2014/main" id="{177851FC-6929-69F0-5856-4E2B2882542A}"/>
               </a:ext>
             </a:extLst>
           </p:cNvPr>
@@ -166,7 +166,7 @@
           <p:cNvPr id="3" name="副标题 2">
             <a:extLst>
               <a:ext uri="{FF2B5EF4-FFF2-40B4-BE49-F238E27FC236}">
-                <a16:creationId xmlns:a16="http://schemas.microsoft.com/office/drawing/2014/main" id="{DCB9DC7F-52D2-602D-45BF-09D0DE247F51}"/>
+                <a16:creationId xmlns:a16="http://schemas.microsoft.com/office/drawing/2014/main" id="{C633DB0C-1E7C-15D3-FC68-A9C7FF70F9F1}"/>
               </a:ext>
             </a:extLst>
           </p:cNvPr>
@@ -236,7 +236,7 @@
           <p:cNvPr id="4" name="日期占位符 3">
             <a:extLst>
               <a:ext uri="{FF2B5EF4-FFF2-40B4-BE49-F238E27FC236}">
-                <a16:creationId xmlns:a16="http://schemas.microsoft.com/office/drawing/2014/main" id="{F1E8E1F8-FCE4-E573-67CF-704E5699ACB5}"/>
+                <a16:creationId xmlns:a16="http://schemas.microsoft.com/office/drawing/2014/main" id="{4A13A129-60FE-D868-2330-18700B760143}"/>
               </a:ext>
             </a:extLst>
           </p:cNvPr>
@@ -252,7 +252,7 @@
           <a:bodyPr/>
           <a:lstStyle/>
           <a:p>
-            <a:fld id="{528E6622-B464-4DE6-A5C1-A5D1EE0F18EB}" type="datetimeFigureOut">
+            <a:fld id="{056DF6CA-397E-4E3E-8603-82E2DE3A654D}" type="datetimeFigureOut">
               <a:rPr lang="zh-CN" altLang="en-US" smtClean="0"/>
               <a:t>2024/3/10</a:t>
             </a:fld>
@@ -265,7 +265,7 @@
           <p:cNvPr id="5" name="页脚占位符 4">
             <a:extLst>
               <a:ext uri="{FF2B5EF4-FFF2-40B4-BE49-F238E27FC236}">
-                <a16:creationId xmlns:a16="http://schemas.microsoft.com/office/drawing/2014/main" id="{B4E9F55A-CBDA-2EFE-C84E-9D4C8E35DAED}"/>
+                <a16:creationId xmlns:a16="http://schemas.microsoft.com/office/drawing/2014/main" id="{28A0A763-6FA9-98A9-A5DD-D52D1CE791A2}"/>
               </a:ext>
             </a:extLst>
           </p:cNvPr>
@@ -290,7 +290,7 @@
           <p:cNvPr id="6" name="灯片编号占位符 5">
             <a:extLst>
               <a:ext uri="{FF2B5EF4-FFF2-40B4-BE49-F238E27FC236}">
-                <a16:creationId xmlns:a16="http://schemas.microsoft.com/office/drawing/2014/main" id="{D89A4BF8-E0A3-ACCE-6FFF-F99E04F3A551}"/>
+                <a16:creationId xmlns:a16="http://schemas.microsoft.com/office/drawing/2014/main" id="{994ECA72-0FC8-491B-46A6-CB256EE99872}"/>
               </a:ext>
             </a:extLst>
           </p:cNvPr>
@@ -306,7 +306,7 @@
           <a:bodyPr/>
           <a:lstStyle/>
           <a:p>
-            <a:fld id="{0873E447-5A09-4175-83E7-87C0699B4968}" type="slidenum">
+            <a:fld id="{DA12C8EA-8E37-49B3-AC65-55018550F001}" type="slidenum">
               <a:rPr lang="zh-CN" altLang="en-US" smtClean="0"/>
               <a:t>‹#›</a:t>
             </a:fld>
@@ -317,7 +317,7 @@
     </p:spTree>
     <p:extLst>
       <p:ext uri="{BB962C8B-B14F-4D97-AF65-F5344CB8AC3E}">
-        <p14:creationId xmlns:p14="http://schemas.microsoft.com/office/powerpoint/2010/main" val="4035962067"/>
+        <p14:creationId xmlns:p14="http://schemas.microsoft.com/office/powerpoint/2010/main" val="3122312991"/>
       </p:ext>
     </p:extLst>
   </p:cSld>
@@ -349,7 +349,7 @@
           <p:cNvPr id="2" name="标题 1">
             <a:extLst>
               <a:ext uri="{FF2B5EF4-FFF2-40B4-BE49-F238E27FC236}">
-                <a16:creationId xmlns:a16="http://schemas.microsoft.com/office/drawing/2014/main" id="{FC52801F-6752-7E6A-B9B8-85E8901C98C6}"/>
+                <a16:creationId xmlns:a16="http://schemas.microsoft.com/office/drawing/2014/main" id="{0999D8B2-26D9-536B-5463-0AB91C04A30E}"/>
               </a:ext>
             </a:extLst>
           </p:cNvPr>
@@ -377,7 +377,7 @@
           <p:cNvPr id="3" name="竖排文字占位符 2">
             <a:extLst>
               <a:ext uri="{FF2B5EF4-FFF2-40B4-BE49-F238E27FC236}">
-                <a16:creationId xmlns:a16="http://schemas.microsoft.com/office/drawing/2014/main" id="{4376A4FC-DCE3-FC3C-5089-6C6DF1F11515}"/>
+                <a16:creationId xmlns:a16="http://schemas.microsoft.com/office/drawing/2014/main" id="{E3A100C4-B7FD-213F-0F6E-6362B47D7311}"/>
               </a:ext>
             </a:extLst>
           </p:cNvPr>
@@ -434,7 +434,7 @@
           <p:cNvPr id="4" name="日期占位符 3">
             <a:extLst>
               <a:ext uri="{FF2B5EF4-FFF2-40B4-BE49-F238E27FC236}">
-                <a16:creationId xmlns:a16="http://schemas.microsoft.com/office/drawing/2014/main" id="{B0AC2B17-1671-3E02-692C-80D1DB15AACB}"/>
+                <a16:creationId xmlns:a16="http://schemas.microsoft.com/office/drawing/2014/main" id="{35DB040E-FF49-C068-42C5-67E3632B2D65}"/>
               </a:ext>
             </a:extLst>
           </p:cNvPr>
@@ -450,7 +450,7 @@
           <a:bodyPr/>
           <a:lstStyle/>
           <a:p>
-            <a:fld id="{528E6622-B464-4DE6-A5C1-A5D1EE0F18EB}" type="datetimeFigureOut">
+            <a:fld id="{056DF6CA-397E-4E3E-8603-82E2DE3A654D}" type="datetimeFigureOut">
               <a:rPr lang="zh-CN" altLang="en-US" smtClean="0"/>
               <a:t>2024/3/10</a:t>
             </a:fld>
@@ -463,7 +463,7 @@
           <p:cNvPr id="5" name="页脚占位符 4">
             <a:extLst>
               <a:ext uri="{FF2B5EF4-FFF2-40B4-BE49-F238E27FC236}">
-                <a16:creationId xmlns:a16="http://schemas.microsoft.com/office/drawing/2014/main" id="{C18059AA-A092-2AD4-2F50-CF0D6EEFE1F9}"/>
+                <a16:creationId xmlns:a16="http://schemas.microsoft.com/office/drawing/2014/main" id="{AF5569F3-38C4-1859-F8F9-3DD5611623C4}"/>
               </a:ext>
             </a:extLst>
           </p:cNvPr>
@@ -488,7 +488,7 @@
           <p:cNvPr id="6" name="灯片编号占位符 5">
             <a:extLst>
               <a:ext uri="{FF2B5EF4-FFF2-40B4-BE49-F238E27FC236}">
-                <a16:creationId xmlns:a16="http://schemas.microsoft.com/office/drawing/2014/main" id="{9D717C52-376E-70F5-B8AB-B30B6B13F175}"/>
+                <a16:creationId xmlns:a16="http://schemas.microsoft.com/office/drawing/2014/main" id="{6C822E30-20C2-8786-8CC8-107A58AB56F2}"/>
               </a:ext>
             </a:extLst>
           </p:cNvPr>
@@ -504,7 +504,7 @@
           <a:bodyPr/>
           <a:lstStyle/>
           <a:p>
-            <a:fld id="{0873E447-5A09-4175-83E7-87C0699B4968}" type="slidenum">
+            <a:fld id="{DA12C8EA-8E37-49B3-AC65-55018550F001}" type="slidenum">
               <a:rPr lang="zh-CN" altLang="en-US" smtClean="0"/>
               <a:t>‹#›</a:t>
             </a:fld>
@@ -515,7 +515,7 @@
     </p:spTree>
     <p:extLst>
       <p:ext uri="{BB962C8B-B14F-4D97-AF65-F5344CB8AC3E}">
-        <p14:creationId xmlns:p14="http://schemas.microsoft.com/office/powerpoint/2010/main" val="2360223168"/>
+        <p14:creationId xmlns:p14="http://schemas.microsoft.com/office/powerpoint/2010/main" val="114118770"/>
       </p:ext>
     </p:extLst>
   </p:cSld>
@@ -547,7 +547,7 @@
           <p:cNvPr id="2" name="竖排标题 1">
             <a:extLst>
               <a:ext uri="{FF2B5EF4-FFF2-40B4-BE49-F238E27FC236}">
-                <a16:creationId xmlns:a16="http://schemas.microsoft.com/office/drawing/2014/main" id="{9634E0BB-4D85-E4DE-FFBA-5B715DB6960B}"/>
+                <a16:creationId xmlns:a16="http://schemas.microsoft.com/office/drawing/2014/main" id="{5E93DFCE-B459-F704-8696-736F459647CC}"/>
               </a:ext>
             </a:extLst>
           </p:cNvPr>
@@ -580,7 +580,7 @@
           <p:cNvPr id="3" name="竖排文字占位符 2">
             <a:extLst>
               <a:ext uri="{FF2B5EF4-FFF2-40B4-BE49-F238E27FC236}">
-                <a16:creationId xmlns:a16="http://schemas.microsoft.com/office/drawing/2014/main" id="{BB01EE89-D397-9410-B3A8-BDCC1C2768E5}"/>
+                <a16:creationId xmlns:a16="http://schemas.microsoft.com/office/drawing/2014/main" id="{4A78BD29-953F-6D58-1A8C-3C859C74DB8C}"/>
               </a:ext>
             </a:extLst>
           </p:cNvPr>
@@ -642,7 +642,7 @@
           <p:cNvPr id="4" name="日期占位符 3">
             <a:extLst>
               <a:ext uri="{FF2B5EF4-FFF2-40B4-BE49-F238E27FC236}">
-                <a16:creationId xmlns:a16="http://schemas.microsoft.com/office/drawing/2014/main" id="{F8590509-B527-8064-E069-4E484705FAC8}"/>
+                <a16:creationId xmlns:a16="http://schemas.microsoft.com/office/drawing/2014/main" id="{F8A5C3A5-EEE4-93BB-71A1-8AC283C8738E}"/>
               </a:ext>
             </a:extLst>
           </p:cNvPr>
@@ -658,7 +658,7 @@
           <a:bodyPr/>
           <a:lstStyle/>
           <a:p>
-            <a:fld id="{528E6622-B464-4DE6-A5C1-A5D1EE0F18EB}" type="datetimeFigureOut">
+            <a:fld id="{056DF6CA-397E-4E3E-8603-82E2DE3A654D}" type="datetimeFigureOut">
               <a:rPr lang="zh-CN" altLang="en-US" smtClean="0"/>
               <a:t>2024/3/10</a:t>
             </a:fld>
@@ -671,7 +671,7 @@
           <p:cNvPr id="5" name="页脚占位符 4">
             <a:extLst>
               <a:ext uri="{FF2B5EF4-FFF2-40B4-BE49-F238E27FC236}">
-                <a16:creationId xmlns:a16="http://schemas.microsoft.com/office/drawing/2014/main" id="{AA6A0992-3D7D-C214-41F8-7F81C421C61A}"/>
+                <a16:creationId xmlns:a16="http://schemas.microsoft.com/office/drawing/2014/main" id="{0ECD32DB-C69A-BAF9-6703-5E691CA5CCF3}"/>
               </a:ext>
             </a:extLst>
           </p:cNvPr>
@@ -696,7 +696,7 @@
           <p:cNvPr id="6" name="灯片编号占位符 5">
             <a:extLst>
               <a:ext uri="{FF2B5EF4-FFF2-40B4-BE49-F238E27FC236}">
-                <a16:creationId xmlns:a16="http://schemas.microsoft.com/office/drawing/2014/main" id="{A12558F8-A2FC-6922-1F7F-0A3D6422CEEA}"/>
+                <a16:creationId xmlns:a16="http://schemas.microsoft.com/office/drawing/2014/main" id="{76115BE4-77BD-2F62-C8C3-AF15C07F0C3F}"/>
               </a:ext>
             </a:extLst>
           </p:cNvPr>
@@ -712,7 +712,7 @@
           <a:bodyPr/>
           <a:lstStyle/>
           <a:p>
-            <a:fld id="{0873E447-5A09-4175-83E7-87C0699B4968}" type="slidenum">
+            <a:fld id="{DA12C8EA-8E37-49B3-AC65-55018550F001}" type="slidenum">
               <a:rPr lang="zh-CN" altLang="en-US" smtClean="0"/>
               <a:t>‹#›</a:t>
             </a:fld>
@@ -723,7 +723,7 @@
     </p:spTree>
     <p:extLst>
       <p:ext uri="{BB962C8B-B14F-4D97-AF65-F5344CB8AC3E}">
-        <p14:creationId xmlns:p14="http://schemas.microsoft.com/office/powerpoint/2010/main" val="2250409457"/>
+        <p14:creationId xmlns:p14="http://schemas.microsoft.com/office/powerpoint/2010/main" val="3707605008"/>
       </p:ext>
     </p:extLst>
   </p:cSld>
@@ -755,7 +755,7 @@
           <p:cNvPr id="2" name="标题 1">
             <a:extLst>
               <a:ext uri="{FF2B5EF4-FFF2-40B4-BE49-F238E27FC236}">
-                <a16:creationId xmlns:a16="http://schemas.microsoft.com/office/drawing/2014/main" id="{9F9A911C-F98B-9762-2353-C3CAEC97A88D}"/>
+                <a16:creationId xmlns:a16="http://schemas.microsoft.com/office/drawing/2014/main" id="{2CE61F4B-5E1E-2048-828C-0D1CFC53718D}"/>
               </a:ext>
             </a:extLst>
           </p:cNvPr>
@@ -783,7 +783,7 @@
           <p:cNvPr id="3" name="内容占位符 2">
             <a:extLst>
               <a:ext uri="{FF2B5EF4-FFF2-40B4-BE49-F238E27FC236}">
-                <a16:creationId xmlns:a16="http://schemas.microsoft.com/office/drawing/2014/main" id="{9D9D36ED-5F2F-0984-625C-91FC84AEABF0}"/>
+                <a16:creationId xmlns:a16="http://schemas.microsoft.com/office/drawing/2014/main" id="{88A77F8E-205D-58BE-1CD4-A42CD7AD11C8}"/>
               </a:ext>
             </a:extLst>
           </p:cNvPr>
@@ -840,7 +840,7 @@
           <p:cNvPr id="4" name="日期占位符 3">
             <a:extLst>
               <a:ext uri="{FF2B5EF4-FFF2-40B4-BE49-F238E27FC236}">
-                <a16:creationId xmlns:a16="http://schemas.microsoft.com/office/drawing/2014/main" id="{CE8537E9-E073-F2A2-8930-BAF0D31180FE}"/>
+                <a16:creationId xmlns:a16="http://schemas.microsoft.com/office/drawing/2014/main" id="{537F70F5-5FFA-FE1D-B546-9F69D534F927}"/>
               </a:ext>
             </a:extLst>
           </p:cNvPr>
@@ -856,7 +856,7 @@
           <a:bodyPr/>
           <a:lstStyle/>
           <a:p>
-            <a:fld id="{528E6622-B464-4DE6-A5C1-A5D1EE0F18EB}" type="datetimeFigureOut">
+            <a:fld id="{056DF6CA-397E-4E3E-8603-82E2DE3A654D}" type="datetimeFigureOut">
               <a:rPr lang="zh-CN" altLang="en-US" smtClean="0"/>
               <a:t>2024/3/10</a:t>
             </a:fld>
@@ -869,7 +869,7 @@
           <p:cNvPr id="5" name="页脚占位符 4">
             <a:extLst>
               <a:ext uri="{FF2B5EF4-FFF2-40B4-BE49-F238E27FC236}">
-                <a16:creationId xmlns:a16="http://schemas.microsoft.com/office/drawing/2014/main" id="{F0285BA2-B624-4A61-3141-815F6079B60A}"/>
+                <a16:creationId xmlns:a16="http://schemas.microsoft.com/office/drawing/2014/main" id="{CF645635-26A6-8FF4-C4FB-CDDC674F2E3B}"/>
               </a:ext>
             </a:extLst>
           </p:cNvPr>
@@ -894,7 +894,7 @@
           <p:cNvPr id="6" name="灯片编号占位符 5">
             <a:extLst>
               <a:ext uri="{FF2B5EF4-FFF2-40B4-BE49-F238E27FC236}">
-                <a16:creationId xmlns:a16="http://schemas.microsoft.com/office/drawing/2014/main" id="{B3639765-D74B-25FE-B89A-DCFB8677B617}"/>
+                <a16:creationId xmlns:a16="http://schemas.microsoft.com/office/drawing/2014/main" id="{8FC80112-B69A-8F78-CE47-0DDF0E4FD90F}"/>
               </a:ext>
             </a:extLst>
           </p:cNvPr>
@@ -910,7 +910,7 @@
           <a:bodyPr/>
           <a:lstStyle/>
           <a:p>
-            <a:fld id="{0873E447-5A09-4175-83E7-87C0699B4968}" type="slidenum">
+            <a:fld id="{DA12C8EA-8E37-49B3-AC65-55018550F001}" type="slidenum">
               <a:rPr lang="zh-CN" altLang="en-US" smtClean="0"/>
               <a:t>‹#›</a:t>
             </a:fld>
@@ -921,7 +921,7 @@
     </p:spTree>
     <p:extLst>
       <p:ext uri="{BB962C8B-B14F-4D97-AF65-F5344CB8AC3E}">
-        <p14:creationId xmlns:p14="http://schemas.microsoft.com/office/powerpoint/2010/main" val="691565732"/>
+        <p14:creationId xmlns:p14="http://schemas.microsoft.com/office/powerpoint/2010/main" val="4077694719"/>
       </p:ext>
     </p:extLst>
   </p:cSld>
@@ -953,7 +953,7 @@
           <p:cNvPr id="2" name="标题 1">
             <a:extLst>
               <a:ext uri="{FF2B5EF4-FFF2-40B4-BE49-F238E27FC236}">
-                <a16:creationId xmlns:a16="http://schemas.microsoft.com/office/drawing/2014/main" id="{7335E602-F0E6-A703-19E8-D752CBCBF631}"/>
+                <a16:creationId xmlns:a16="http://schemas.microsoft.com/office/drawing/2014/main" id="{66E4119A-BE12-147E-5EAC-B3D52C123F82}"/>
               </a:ext>
             </a:extLst>
           </p:cNvPr>
@@ -990,7 +990,7 @@
           <p:cNvPr id="3" name="文本占位符 2">
             <a:extLst>
               <a:ext uri="{FF2B5EF4-FFF2-40B4-BE49-F238E27FC236}">
-                <a16:creationId xmlns:a16="http://schemas.microsoft.com/office/drawing/2014/main" id="{5492B033-7D77-370A-C192-A9E5702ACE1D}"/>
+                <a16:creationId xmlns:a16="http://schemas.microsoft.com/office/drawing/2014/main" id="{F37A43F6-4AB8-7237-6EA9-A12A06BBF1AB}"/>
               </a:ext>
             </a:extLst>
           </p:cNvPr>
@@ -1115,7 +1115,7 @@
           <p:cNvPr id="4" name="日期占位符 3">
             <a:extLst>
               <a:ext uri="{FF2B5EF4-FFF2-40B4-BE49-F238E27FC236}">
-                <a16:creationId xmlns:a16="http://schemas.microsoft.com/office/drawing/2014/main" id="{4CC7FDA8-75C2-FA04-7677-D005E2768423}"/>
+                <a16:creationId xmlns:a16="http://schemas.microsoft.com/office/drawing/2014/main" id="{E43BC4C3-242D-72D7-921F-5FD8B86A2574}"/>
               </a:ext>
             </a:extLst>
           </p:cNvPr>
@@ -1131,7 +1131,7 @@
           <a:bodyPr/>
           <a:lstStyle/>
           <a:p>
-            <a:fld id="{528E6622-B464-4DE6-A5C1-A5D1EE0F18EB}" type="datetimeFigureOut">
+            <a:fld id="{056DF6CA-397E-4E3E-8603-82E2DE3A654D}" type="datetimeFigureOut">
               <a:rPr lang="zh-CN" altLang="en-US" smtClean="0"/>
               <a:t>2024/3/10</a:t>
             </a:fld>
@@ -1144,7 +1144,7 @@
           <p:cNvPr id="5" name="页脚占位符 4">
             <a:extLst>
               <a:ext uri="{FF2B5EF4-FFF2-40B4-BE49-F238E27FC236}">
-                <a16:creationId xmlns:a16="http://schemas.microsoft.com/office/drawing/2014/main" id="{CBB76A57-EE45-7224-9025-06A00C108C66}"/>
+                <a16:creationId xmlns:a16="http://schemas.microsoft.com/office/drawing/2014/main" id="{9F71F90F-5535-BE93-6FD2-B40E1C1CFA32}"/>
               </a:ext>
             </a:extLst>
           </p:cNvPr>
@@ -1169,7 +1169,7 @@
           <p:cNvPr id="6" name="灯片编号占位符 5">
             <a:extLst>
               <a:ext uri="{FF2B5EF4-FFF2-40B4-BE49-F238E27FC236}">
-                <a16:creationId xmlns:a16="http://schemas.microsoft.com/office/drawing/2014/main" id="{EF6173D9-6D1C-EE9E-1FE7-82FD7308ECB7}"/>
+                <a16:creationId xmlns:a16="http://schemas.microsoft.com/office/drawing/2014/main" id="{2465BAA2-5E28-48F2-4C38-DEC34916E42F}"/>
               </a:ext>
             </a:extLst>
           </p:cNvPr>
@@ -1185,7 +1185,7 @@
           <a:bodyPr/>
           <a:lstStyle/>
           <a:p>
-            <a:fld id="{0873E447-5A09-4175-83E7-87C0699B4968}" type="slidenum">
+            <a:fld id="{DA12C8EA-8E37-49B3-AC65-55018550F001}" type="slidenum">
               <a:rPr lang="zh-CN" altLang="en-US" smtClean="0"/>
               <a:t>‹#›</a:t>
             </a:fld>
@@ -1196,7 +1196,7 @@
     </p:spTree>
     <p:extLst>
       <p:ext uri="{BB962C8B-B14F-4D97-AF65-F5344CB8AC3E}">
-        <p14:creationId xmlns:p14="http://schemas.microsoft.com/office/powerpoint/2010/main" val="680776014"/>
+        <p14:creationId xmlns:p14="http://schemas.microsoft.com/office/powerpoint/2010/main" val="742585662"/>
       </p:ext>
     </p:extLst>
   </p:cSld>
@@ -1228,7 +1228,7 @@
           <p:cNvPr id="2" name="标题 1">
             <a:extLst>
               <a:ext uri="{FF2B5EF4-FFF2-40B4-BE49-F238E27FC236}">
-                <a16:creationId xmlns:a16="http://schemas.microsoft.com/office/drawing/2014/main" id="{98D74016-407F-6E33-B704-7727D5B90668}"/>
+                <a16:creationId xmlns:a16="http://schemas.microsoft.com/office/drawing/2014/main" id="{FB335643-9791-9631-FB6B-4B8BF958EBBA}"/>
               </a:ext>
             </a:extLst>
           </p:cNvPr>
@@ -1256,7 +1256,7 @@
           <p:cNvPr id="3" name="内容占位符 2">
             <a:extLst>
               <a:ext uri="{FF2B5EF4-FFF2-40B4-BE49-F238E27FC236}">
-                <a16:creationId xmlns:a16="http://schemas.microsoft.com/office/drawing/2014/main" id="{33E6BE4F-7E12-43F1-0981-7139C736115B}"/>
+                <a16:creationId xmlns:a16="http://schemas.microsoft.com/office/drawing/2014/main" id="{ED8B0AF1-43E3-3E6F-638B-16D61B23C302}"/>
               </a:ext>
             </a:extLst>
           </p:cNvPr>
@@ -1318,7 +1318,7 @@
           <p:cNvPr id="4" name="内容占位符 3">
             <a:extLst>
               <a:ext uri="{FF2B5EF4-FFF2-40B4-BE49-F238E27FC236}">
-                <a16:creationId xmlns:a16="http://schemas.microsoft.com/office/drawing/2014/main" id="{E39C7414-6C4C-F0B2-E34C-E47F34E83330}"/>
+                <a16:creationId xmlns:a16="http://schemas.microsoft.com/office/drawing/2014/main" id="{A0C9FF4F-FC85-EFE5-1ABF-B24D874B18BD}"/>
               </a:ext>
             </a:extLst>
           </p:cNvPr>
@@ -1380,7 +1380,7 @@
           <p:cNvPr id="5" name="日期占位符 4">
             <a:extLst>
               <a:ext uri="{FF2B5EF4-FFF2-40B4-BE49-F238E27FC236}">
-                <a16:creationId xmlns:a16="http://schemas.microsoft.com/office/drawing/2014/main" id="{68257DE2-0EFA-B902-4C28-7238C153BA45}"/>
+                <a16:creationId xmlns:a16="http://schemas.microsoft.com/office/drawing/2014/main" id="{D24626FF-5A4E-A2C8-4BAD-BDB6B2AB3BCA}"/>
               </a:ext>
             </a:extLst>
           </p:cNvPr>
@@ -1396,7 +1396,7 @@
           <a:bodyPr/>
           <a:lstStyle/>
           <a:p>
-            <a:fld id="{528E6622-B464-4DE6-A5C1-A5D1EE0F18EB}" type="datetimeFigureOut">
+            <a:fld id="{056DF6CA-397E-4E3E-8603-82E2DE3A654D}" type="datetimeFigureOut">
               <a:rPr lang="zh-CN" altLang="en-US" smtClean="0"/>
               <a:t>2024/3/10</a:t>
             </a:fld>
@@ -1409,7 +1409,7 @@
           <p:cNvPr id="6" name="页脚占位符 5">
             <a:extLst>
               <a:ext uri="{FF2B5EF4-FFF2-40B4-BE49-F238E27FC236}">
-                <a16:creationId xmlns:a16="http://schemas.microsoft.com/office/drawing/2014/main" id="{ACC9AEEB-0FDB-849B-09D8-3D5F59D17E15}"/>
+                <a16:creationId xmlns:a16="http://schemas.microsoft.com/office/drawing/2014/main" id="{F5EEA467-1576-E0E8-918A-A84CB63A891C}"/>
               </a:ext>
             </a:extLst>
           </p:cNvPr>
@@ -1434,7 +1434,7 @@
           <p:cNvPr id="7" name="灯片编号占位符 6">
             <a:extLst>
               <a:ext uri="{FF2B5EF4-FFF2-40B4-BE49-F238E27FC236}">
-                <a16:creationId xmlns:a16="http://schemas.microsoft.com/office/drawing/2014/main" id="{75625B97-9FD3-B1B0-C137-6E1824925650}"/>
+                <a16:creationId xmlns:a16="http://schemas.microsoft.com/office/drawing/2014/main" id="{9D53FF8C-A052-18BC-7CDB-8B81EB205261}"/>
               </a:ext>
             </a:extLst>
           </p:cNvPr>
@@ -1450,7 +1450,7 @@
           <a:bodyPr/>
           <a:lstStyle/>
           <a:p>
-            <a:fld id="{0873E447-5A09-4175-83E7-87C0699B4968}" type="slidenum">
+            <a:fld id="{DA12C8EA-8E37-49B3-AC65-55018550F001}" type="slidenum">
               <a:rPr lang="zh-CN" altLang="en-US" smtClean="0"/>
               <a:t>‹#›</a:t>
             </a:fld>
@@ -1461,7 +1461,7 @@
     </p:spTree>
     <p:extLst>
       <p:ext uri="{BB962C8B-B14F-4D97-AF65-F5344CB8AC3E}">
-        <p14:creationId xmlns:p14="http://schemas.microsoft.com/office/powerpoint/2010/main" val="1547275592"/>
+        <p14:creationId xmlns:p14="http://schemas.microsoft.com/office/powerpoint/2010/main" val="1907487098"/>
       </p:ext>
     </p:extLst>
   </p:cSld>
@@ -1493,7 +1493,7 @@
           <p:cNvPr id="2" name="标题 1">
             <a:extLst>
               <a:ext uri="{FF2B5EF4-FFF2-40B4-BE49-F238E27FC236}">
-                <a16:creationId xmlns:a16="http://schemas.microsoft.com/office/drawing/2014/main" id="{C0C75A8D-2521-D8EF-E6FA-C765171381C3}"/>
+                <a16:creationId xmlns:a16="http://schemas.microsoft.com/office/drawing/2014/main" id="{9CBCA986-A133-03C1-2AB5-641921605124}"/>
               </a:ext>
             </a:extLst>
           </p:cNvPr>
@@ -1526,7 +1526,7 @@
           <p:cNvPr id="3" name="文本占位符 2">
             <a:extLst>
               <a:ext uri="{FF2B5EF4-FFF2-40B4-BE49-F238E27FC236}">
-                <a16:creationId xmlns:a16="http://schemas.microsoft.com/office/drawing/2014/main" id="{62D17E98-FC0B-FF6C-1CAC-32918B18BAF6}"/>
+                <a16:creationId xmlns:a16="http://schemas.microsoft.com/office/drawing/2014/main" id="{57177085-86D2-49DB-105D-558EE3341FB3}"/>
               </a:ext>
             </a:extLst>
           </p:cNvPr>
@@ -1597,7 +1597,7 @@
           <p:cNvPr id="4" name="内容占位符 3">
             <a:extLst>
               <a:ext uri="{FF2B5EF4-FFF2-40B4-BE49-F238E27FC236}">
-                <a16:creationId xmlns:a16="http://schemas.microsoft.com/office/drawing/2014/main" id="{DC46A027-CD3D-56B9-B536-CC7DAC912567}"/>
+                <a16:creationId xmlns:a16="http://schemas.microsoft.com/office/drawing/2014/main" id="{86CC8B5C-7B9C-3FB5-AF14-19300AEE661E}"/>
               </a:ext>
             </a:extLst>
           </p:cNvPr>
@@ -1659,7 +1659,7 @@
           <p:cNvPr id="5" name="文本占位符 4">
             <a:extLst>
               <a:ext uri="{FF2B5EF4-FFF2-40B4-BE49-F238E27FC236}">
-                <a16:creationId xmlns:a16="http://schemas.microsoft.com/office/drawing/2014/main" id="{C71D3EF9-E00C-B358-E4DA-15D6665D8627}"/>
+                <a16:creationId xmlns:a16="http://schemas.microsoft.com/office/drawing/2014/main" id="{1FCB10DA-BF16-C5BC-61DD-F397B420C6AD}"/>
               </a:ext>
             </a:extLst>
           </p:cNvPr>
@@ -1730,7 +1730,7 @@
           <p:cNvPr id="6" name="内容占位符 5">
             <a:extLst>
               <a:ext uri="{FF2B5EF4-FFF2-40B4-BE49-F238E27FC236}">
-                <a16:creationId xmlns:a16="http://schemas.microsoft.com/office/drawing/2014/main" id="{D9C30013-52D8-98C9-43D8-2A07016D3903}"/>
+                <a16:creationId xmlns:a16="http://schemas.microsoft.com/office/drawing/2014/main" id="{E00E8252-47A3-F61C-99DA-C2936110453E}"/>
               </a:ext>
             </a:extLst>
           </p:cNvPr>
@@ -1792,7 +1792,7 @@
           <p:cNvPr id="7" name="日期占位符 6">
             <a:extLst>
               <a:ext uri="{FF2B5EF4-FFF2-40B4-BE49-F238E27FC236}">
-                <a16:creationId xmlns:a16="http://schemas.microsoft.com/office/drawing/2014/main" id="{C5B41932-D8C3-8480-D212-E84648366FB1}"/>
+                <a16:creationId xmlns:a16="http://schemas.microsoft.com/office/drawing/2014/main" id="{7CEA5DEE-F801-9211-7A71-ECEB285734AC}"/>
               </a:ext>
             </a:extLst>
           </p:cNvPr>
@@ -1808,7 +1808,7 @@
           <a:bodyPr/>
           <a:lstStyle/>
           <a:p>
-            <a:fld id="{528E6622-B464-4DE6-A5C1-A5D1EE0F18EB}" type="datetimeFigureOut">
+            <a:fld id="{056DF6CA-397E-4E3E-8603-82E2DE3A654D}" type="datetimeFigureOut">
               <a:rPr lang="zh-CN" altLang="en-US" smtClean="0"/>
               <a:t>2024/3/10</a:t>
             </a:fld>
@@ -1821,7 +1821,7 @@
           <p:cNvPr id="8" name="页脚占位符 7">
             <a:extLst>
               <a:ext uri="{FF2B5EF4-FFF2-40B4-BE49-F238E27FC236}">
-                <a16:creationId xmlns:a16="http://schemas.microsoft.com/office/drawing/2014/main" id="{F40C301C-A98A-317B-31F8-28488FD8B778}"/>
+                <a16:creationId xmlns:a16="http://schemas.microsoft.com/office/drawing/2014/main" id="{9EABA45A-DF82-322D-AD37-5A0737FEFA0A}"/>
               </a:ext>
             </a:extLst>
           </p:cNvPr>
@@ -1846,7 +1846,7 @@
           <p:cNvPr id="9" name="灯片编号占位符 8">
             <a:extLst>
               <a:ext uri="{FF2B5EF4-FFF2-40B4-BE49-F238E27FC236}">
-                <a16:creationId xmlns:a16="http://schemas.microsoft.com/office/drawing/2014/main" id="{E3DC6CB1-35BD-2A72-1ED5-DD500862B448}"/>
+                <a16:creationId xmlns:a16="http://schemas.microsoft.com/office/drawing/2014/main" id="{72ADDAFE-70EB-5EDD-D7CF-983FCA91047D}"/>
               </a:ext>
             </a:extLst>
           </p:cNvPr>
@@ -1862,7 +1862,7 @@
           <a:bodyPr/>
           <a:lstStyle/>
           <a:p>
-            <a:fld id="{0873E447-5A09-4175-83E7-87C0699B4968}" type="slidenum">
+            <a:fld id="{DA12C8EA-8E37-49B3-AC65-55018550F001}" type="slidenum">
               <a:rPr lang="zh-CN" altLang="en-US" smtClean="0"/>
               <a:t>‹#›</a:t>
             </a:fld>
@@ -1873,7 +1873,7 @@
     </p:spTree>
     <p:extLst>
       <p:ext uri="{BB962C8B-B14F-4D97-AF65-F5344CB8AC3E}">
-        <p14:creationId xmlns:p14="http://schemas.microsoft.com/office/powerpoint/2010/main" val="1560651214"/>
+        <p14:creationId xmlns:p14="http://schemas.microsoft.com/office/powerpoint/2010/main" val="1886754346"/>
       </p:ext>
     </p:extLst>
   </p:cSld>
@@ -1905,7 +1905,7 @@
           <p:cNvPr id="2" name="标题 1">
             <a:extLst>
               <a:ext uri="{FF2B5EF4-FFF2-40B4-BE49-F238E27FC236}">
-                <a16:creationId xmlns:a16="http://schemas.microsoft.com/office/drawing/2014/main" id="{A7039A09-5AE2-7E7C-9ACB-204453C6D8ED}"/>
+                <a16:creationId xmlns:a16="http://schemas.microsoft.com/office/drawing/2014/main" id="{9D5738A5-3434-0DF8-6CAB-C87B675F2AAC}"/>
               </a:ext>
             </a:extLst>
           </p:cNvPr>
@@ -1933,7 +1933,7 @@
           <p:cNvPr id="3" name="日期占位符 2">
             <a:extLst>
               <a:ext uri="{FF2B5EF4-FFF2-40B4-BE49-F238E27FC236}">
-                <a16:creationId xmlns:a16="http://schemas.microsoft.com/office/drawing/2014/main" id="{2B389261-B644-83AA-8A8C-E1A9D37CAFEE}"/>
+                <a16:creationId xmlns:a16="http://schemas.microsoft.com/office/drawing/2014/main" id="{E235F750-370F-6C52-474F-079A5BF4DB7A}"/>
               </a:ext>
             </a:extLst>
           </p:cNvPr>
@@ -1949,7 +1949,7 @@
           <a:bodyPr/>
           <a:lstStyle/>
           <a:p>
-            <a:fld id="{528E6622-B464-4DE6-A5C1-A5D1EE0F18EB}" type="datetimeFigureOut">
+            <a:fld id="{056DF6CA-397E-4E3E-8603-82E2DE3A654D}" type="datetimeFigureOut">
               <a:rPr lang="zh-CN" altLang="en-US" smtClean="0"/>
               <a:t>2024/3/10</a:t>
             </a:fld>
@@ -1962,7 +1962,7 @@
           <p:cNvPr id="4" name="页脚占位符 3">
             <a:extLst>
               <a:ext uri="{FF2B5EF4-FFF2-40B4-BE49-F238E27FC236}">
-                <a16:creationId xmlns:a16="http://schemas.microsoft.com/office/drawing/2014/main" id="{7E9AD405-385C-D9B5-D155-B7690876A13C}"/>
+                <a16:creationId xmlns:a16="http://schemas.microsoft.com/office/drawing/2014/main" id="{8F719703-527A-0CF0-A051-DED7A3DDBF9B}"/>
               </a:ext>
             </a:extLst>
           </p:cNvPr>
@@ -1987,7 +1987,7 @@
           <p:cNvPr id="5" name="灯片编号占位符 4">
             <a:extLst>
               <a:ext uri="{FF2B5EF4-FFF2-40B4-BE49-F238E27FC236}">
-                <a16:creationId xmlns:a16="http://schemas.microsoft.com/office/drawing/2014/main" id="{2094484D-C0F9-1CA2-68C0-0103CBEA4615}"/>
+                <a16:creationId xmlns:a16="http://schemas.microsoft.com/office/drawing/2014/main" id="{59EEF402-C575-95AF-B64E-EDE155BFD909}"/>
               </a:ext>
             </a:extLst>
           </p:cNvPr>
@@ -2003,7 +2003,7 @@
           <a:bodyPr/>
           <a:lstStyle/>
           <a:p>
-            <a:fld id="{0873E447-5A09-4175-83E7-87C0699B4968}" type="slidenum">
+            <a:fld id="{DA12C8EA-8E37-49B3-AC65-55018550F001}" type="slidenum">
               <a:rPr lang="zh-CN" altLang="en-US" smtClean="0"/>
               <a:t>‹#›</a:t>
             </a:fld>
@@ -2014,7 +2014,7 @@
     </p:spTree>
     <p:extLst>
       <p:ext uri="{BB962C8B-B14F-4D97-AF65-F5344CB8AC3E}">
-        <p14:creationId xmlns:p14="http://schemas.microsoft.com/office/powerpoint/2010/main" val="2867802368"/>
+        <p14:creationId xmlns:p14="http://schemas.microsoft.com/office/powerpoint/2010/main" val="3520151899"/>
       </p:ext>
     </p:extLst>
   </p:cSld>
@@ -2046,7 +2046,7 @@
           <p:cNvPr id="2" name="日期占位符 1">
             <a:extLst>
               <a:ext uri="{FF2B5EF4-FFF2-40B4-BE49-F238E27FC236}">
-                <a16:creationId xmlns:a16="http://schemas.microsoft.com/office/drawing/2014/main" id="{E1C125C9-5EB1-50CC-7798-8B7AF192CC3B}"/>
+                <a16:creationId xmlns:a16="http://schemas.microsoft.com/office/drawing/2014/main" id="{FF1AEF35-010C-57CD-181F-02176A918BF6}"/>
               </a:ext>
             </a:extLst>
           </p:cNvPr>
@@ -2062,7 +2062,7 @@
           <a:bodyPr/>
           <a:lstStyle/>
           <a:p>
-            <a:fld id="{528E6622-B464-4DE6-A5C1-A5D1EE0F18EB}" type="datetimeFigureOut">
+            <a:fld id="{056DF6CA-397E-4E3E-8603-82E2DE3A654D}" type="datetimeFigureOut">
               <a:rPr lang="zh-CN" altLang="en-US" smtClean="0"/>
               <a:t>2024/3/10</a:t>
             </a:fld>
@@ -2075,7 +2075,7 @@
           <p:cNvPr id="3" name="页脚占位符 2">
             <a:extLst>
               <a:ext uri="{FF2B5EF4-FFF2-40B4-BE49-F238E27FC236}">
-                <a16:creationId xmlns:a16="http://schemas.microsoft.com/office/drawing/2014/main" id="{DCC2C802-349F-62AB-1965-356BBCBAE1C8}"/>
+                <a16:creationId xmlns:a16="http://schemas.microsoft.com/office/drawing/2014/main" id="{7B62ED6E-95B4-F4B1-882A-4979AE1BD912}"/>
               </a:ext>
             </a:extLst>
           </p:cNvPr>
@@ -2100,7 +2100,7 @@
           <p:cNvPr id="4" name="灯片编号占位符 3">
             <a:extLst>
               <a:ext uri="{FF2B5EF4-FFF2-40B4-BE49-F238E27FC236}">
-                <a16:creationId xmlns:a16="http://schemas.microsoft.com/office/drawing/2014/main" id="{BBF4FE5E-F0AB-B64A-973C-D77A4845C1ED}"/>
+                <a16:creationId xmlns:a16="http://schemas.microsoft.com/office/drawing/2014/main" id="{26D44206-894D-450B-DEE4-D30984C55E16}"/>
               </a:ext>
             </a:extLst>
           </p:cNvPr>
@@ -2116,7 +2116,7 @@
           <a:bodyPr/>
           <a:lstStyle/>
           <a:p>
-            <a:fld id="{0873E447-5A09-4175-83E7-87C0699B4968}" type="slidenum">
+            <a:fld id="{DA12C8EA-8E37-49B3-AC65-55018550F001}" type="slidenum">
               <a:rPr lang="zh-CN" altLang="en-US" smtClean="0"/>
               <a:t>‹#›</a:t>
             </a:fld>
@@ -2127,7 +2127,7 @@
     </p:spTree>
     <p:extLst>
       <p:ext uri="{BB962C8B-B14F-4D97-AF65-F5344CB8AC3E}">
-        <p14:creationId xmlns:p14="http://schemas.microsoft.com/office/powerpoint/2010/main" val="2492486543"/>
+        <p14:creationId xmlns:p14="http://schemas.microsoft.com/office/powerpoint/2010/main" val="1712194162"/>
       </p:ext>
     </p:extLst>
   </p:cSld>
@@ -2159,7 +2159,7 @@
           <p:cNvPr id="2" name="标题 1">
             <a:extLst>
               <a:ext uri="{FF2B5EF4-FFF2-40B4-BE49-F238E27FC236}">
-                <a16:creationId xmlns:a16="http://schemas.microsoft.com/office/drawing/2014/main" id="{B16AEAA3-F06F-29DC-115C-944ACAC7AB95}"/>
+                <a16:creationId xmlns:a16="http://schemas.microsoft.com/office/drawing/2014/main" id="{B629E2DF-93DC-355F-A3BA-A94A1C7A3FC2}"/>
               </a:ext>
             </a:extLst>
           </p:cNvPr>
@@ -2196,7 +2196,7 @@
           <p:cNvPr id="3" name="内容占位符 2">
             <a:extLst>
               <a:ext uri="{FF2B5EF4-FFF2-40B4-BE49-F238E27FC236}">
-                <a16:creationId xmlns:a16="http://schemas.microsoft.com/office/drawing/2014/main" id="{6EF119A0-F98C-CA73-D588-AD6F24CC15AD}"/>
+                <a16:creationId xmlns:a16="http://schemas.microsoft.com/office/drawing/2014/main" id="{C502F3C5-19DD-919D-8663-E7D3159537D4}"/>
               </a:ext>
             </a:extLst>
           </p:cNvPr>
@@ -2286,7 +2286,7 @@
           <p:cNvPr id="4" name="文本占位符 3">
             <a:extLst>
               <a:ext uri="{FF2B5EF4-FFF2-40B4-BE49-F238E27FC236}">
-                <a16:creationId xmlns:a16="http://schemas.microsoft.com/office/drawing/2014/main" id="{1CD9BB06-1384-B18C-5530-34E9E157BB9F}"/>
+                <a16:creationId xmlns:a16="http://schemas.microsoft.com/office/drawing/2014/main" id="{A05058DA-C803-877E-EBD4-2E7BB775A44B}"/>
               </a:ext>
             </a:extLst>
           </p:cNvPr>
@@ -2357,7 +2357,7 @@
           <p:cNvPr id="5" name="日期占位符 4">
             <a:extLst>
               <a:ext uri="{FF2B5EF4-FFF2-40B4-BE49-F238E27FC236}">
-                <a16:creationId xmlns:a16="http://schemas.microsoft.com/office/drawing/2014/main" id="{CBE44555-5181-519C-11F8-3A9A241A80AB}"/>
+                <a16:creationId xmlns:a16="http://schemas.microsoft.com/office/drawing/2014/main" id="{12E758A3-571D-9313-5360-7A4D97C217CA}"/>
               </a:ext>
             </a:extLst>
           </p:cNvPr>
@@ -2373,7 +2373,7 @@
           <a:bodyPr/>
           <a:lstStyle/>
           <a:p>
-            <a:fld id="{528E6622-B464-4DE6-A5C1-A5D1EE0F18EB}" type="datetimeFigureOut">
+            <a:fld id="{056DF6CA-397E-4E3E-8603-82E2DE3A654D}" type="datetimeFigureOut">
               <a:rPr lang="zh-CN" altLang="en-US" smtClean="0"/>
               <a:t>2024/3/10</a:t>
             </a:fld>
@@ -2386,7 +2386,7 @@
           <p:cNvPr id="6" name="页脚占位符 5">
             <a:extLst>
               <a:ext uri="{FF2B5EF4-FFF2-40B4-BE49-F238E27FC236}">
-                <a16:creationId xmlns:a16="http://schemas.microsoft.com/office/drawing/2014/main" id="{A6047C59-4971-320C-3536-F95D10EB9CD7}"/>
+                <a16:creationId xmlns:a16="http://schemas.microsoft.com/office/drawing/2014/main" id="{0E8808A4-AA10-9364-6ACE-5826F15F557F}"/>
               </a:ext>
             </a:extLst>
           </p:cNvPr>
@@ -2411,7 +2411,7 @@
           <p:cNvPr id="7" name="灯片编号占位符 6">
             <a:extLst>
               <a:ext uri="{FF2B5EF4-FFF2-40B4-BE49-F238E27FC236}">
-                <a16:creationId xmlns:a16="http://schemas.microsoft.com/office/drawing/2014/main" id="{F980277B-304D-2BB9-CB8E-7577666F30D2}"/>
+                <a16:creationId xmlns:a16="http://schemas.microsoft.com/office/drawing/2014/main" id="{2710F3DD-1FDB-1C42-8D53-4373AC47D8D5}"/>
               </a:ext>
             </a:extLst>
           </p:cNvPr>
@@ -2427,7 +2427,7 @@
           <a:bodyPr/>
           <a:lstStyle/>
           <a:p>
-            <a:fld id="{0873E447-5A09-4175-83E7-87C0699B4968}" type="slidenum">
+            <a:fld id="{DA12C8EA-8E37-49B3-AC65-55018550F001}" type="slidenum">
               <a:rPr lang="zh-CN" altLang="en-US" smtClean="0"/>
               <a:t>‹#›</a:t>
             </a:fld>
@@ -2438,7 +2438,7 @@
     </p:spTree>
     <p:extLst>
       <p:ext uri="{BB962C8B-B14F-4D97-AF65-F5344CB8AC3E}">
-        <p14:creationId xmlns:p14="http://schemas.microsoft.com/office/powerpoint/2010/main" val="735562448"/>
+        <p14:creationId xmlns:p14="http://schemas.microsoft.com/office/powerpoint/2010/main" val="2436141041"/>
       </p:ext>
     </p:extLst>
   </p:cSld>
@@ -2470,7 +2470,7 @@
           <p:cNvPr id="2" name="标题 1">
             <a:extLst>
               <a:ext uri="{FF2B5EF4-FFF2-40B4-BE49-F238E27FC236}">
-                <a16:creationId xmlns:a16="http://schemas.microsoft.com/office/drawing/2014/main" id="{7F8ADB0D-D117-B494-AF96-063DB1F3F1DA}"/>
+                <a16:creationId xmlns:a16="http://schemas.microsoft.com/office/drawing/2014/main" id="{CF374A8C-441B-6367-C6EF-854B64FC69EF}"/>
               </a:ext>
             </a:extLst>
           </p:cNvPr>
@@ -2507,7 +2507,7 @@
           <p:cNvPr id="3" name="图片占位符 2">
             <a:extLst>
               <a:ext uri="{FF2B5EF4-FFF2-40B4-BE49-F238E27FC236}">
-                <a16:creationId xmlns:a16="http://schemas.microsoft.com/office/drawing/2014/main" id="{5F87B72E-DC48-4C4F-635F-AE02ED217D10}"/>
+                <a16:creationId xmlns:a16="http://schemas.microsoft.com/office/drawing/2014/main" id="{D0961F0F-D5AD-E83A-B195-D58A574DEBE6}"/>
               </a:ext>
             </a:extLst>
           </p:cNvPr>
@@ -2574,7 +2574,7 @@
           <p:cNvPr id="4" name="文本占位符 3">
             <a:extLst>
               <a:ext uri="{FF2B5EF4-FFF2-40B4-BE49-F238E27FC236}">
-                <a16:creationId xmlns:a16="http://schemas.microsoft.com/office/drawing/2014/main" id="{941FF054-08E0-D4CA-C515-F8258FFE855E}"/>
+                <a16:creationId xmlns:a16="http://schemas.microsoft.com/office/drawing/2014/main" id="{8CA1B62E-A73F-8C18-CF33-982B58A57D55}"/>
               </a:ext>
             </a:extLst>
           </p:cNvPr>
@@ -2645,7 +2645,7 @@
           <p:cNvPr id="5" name="日期占位符 4">
             <a:extLst>
               <a:ext uri="{FF2B5EF4-FFF2-40B4-BE49-F238E27FC236}">
-                <a16:creationId xmlns:a16="http://schemas.microsoft.com/office/drawing/2014/main" id="{6B8BA409-FA40-F04B-1308-3655EAFBBB98}"/>
+                <a16:creationId xmlns:a16="http://schemas.microsoft.com/office/drawing/2014/main" id="{461FAB80-9A03-68B2-7F3A-E72F8253BAB3}"/>
               </a:ext>
             </a:extLst>
           </p:cNvPr>
@@ -2661,7 +2661,7 @@
           <a:bodyPr/>
           <a:lstStyle/>
           <a:p>
-            <a:fld id="{528E6622-B464-4DE6-A5C1-A5D1EE0F18EB}" type="datetimeFigureOut">
+            <a:fld id="{056DF6CA-397E-4E3E-8603-82E2DE3A654D}" type="datetimeFigureOut">
               <a:rPr lang="zh-CN" altLang="en-US" smtClean="0"/>
               <a:t>2024/3/10</a:t>
             </a:fld>
@@ -2674,7 +2674,7 @@
           <p:cNvPr id="6" name="页脚占位符 5">
             <a:extLst>
               <a:ext uri="{FF2B5EF4-FFF2-40B4-BE49-F238E27FC236}">
-                <a16:creationId xmlns:a16="http://schemas.microsoft.com/office/drawing/2014/main" id="{08884E8C-5457-B9EE-6D58-1A159A48B88A}"/>
+                <a16:creationId xmlns:a16="http://schemas.microsoft.com/office/drawing/2014/main" id="{15B1BF00-C0FF-DF95-ABAD-BA45F78A8844}"/>
               </a:ext>
             </a:extLst>
           </p:cNvPr>
@@ -2699,7 +2699,7 @@
           <p:cNvPr id="7" name="灯片编号占位符 6">
             <a:extLst>
               <a:ext uri="{FF2B5EF4-FFF2-40B4-BE49-F238E27FC236}">
-                <a16:creationId xmlns:a16="http://schemas.microsoft.com/office/drawing/2014/main" id="{80EC7D4B-00B8-D132-DA81-106DCA1B558C}"/>
+                <a16:creationId xmlns:a16="http://schemas.microsoft.com/office/drawing/2014/main" id="{16651CD9-5C9A-40DE-7008-55CDD3851BCA}"/>
               </a:ext>
             </a:extLst>
           </p:cNvPr>
@@ -2715,7 +2715,7 @@
           <a:bodyPr/>
           <a:lstStyle/>
           <a:p>
-            <a:fld id="{0873E447-5A09-4175-83E7-87C0699B4968}" type="slidenum">
+            <a:fld id="{DA12C8EA-8E37-49B3-AC65-55018550F001}" type="slidenum">
               <a:rPr lang="zh-CN" altLang="en-US" smtClean="0"/>
               <a:t>‹#›</a:t>
             </a:fld>
@@ -2726,7 +2726,7 @@
     </p:spTree>
     <p:extLst>
       <p:ext uri="{BB962C8B-B14F-4D97-AF65-F5344CB8AC3E}">
-        <p14:creationId xmlns:p14="http://schemas.microsoft.com/office/powerpoint/2010/main" val="1039270691"/>
+        <p14:creationId xmlns:p14="http://schemas.microsoft.com/office/powerpoint/2010/main" val="4173951315"/>
       </p:ext>
     </p:extLst>
   </p:cSld>
@@ -2763,7 +2763,7 @@
           <p:cNvPr id="2" name="标题占位符 1">
             <a:extLst>
               <a:ext uri="{FF2B5EF4-FFF2-40B4-BE49-F238E27FC236}">
-                <a16:creationId xmlns:a16="http://schemas.microsoft.com/office/drawing/2014/main" id="{9C22DE06-48A7-7FD7-44D1-67BBC6491D65}"/>
+                <a16:creationId xmlns:a16="http://schemas.microsoft.com/office/drawing/2014/main" id="{38798E20-8E37-71F8-1D06-63E641E54DD4}"/>
               </a:ext>
             </a:extLst>
           </p:cNvPr>
@@ -2801,7 +2801,7 @@
           <p:cNvPr id="3" name="文本占位符 2">
             <a:extLst>
               <a:ext uri="{FF2B5EF4-FFF2-40B4-BE49-F238E27FC236}">
-                <a16:creationId xmlns:a16="http://schemas.microsoft.com/office/drawing/2014/main" id="{1C5B5C31-BE00-9AC5-F494-742BF209829A}"/>
+                <a16:creationId xmlns:a16="http://schemas.microsoft.com/office/drawing/2014/main" id="{7FC388CF-4C70-7931-54F3-F8C9DFEAD0FD}"/>
               </a:ext>
             </a:extLst>
           </p:cNvPr>
@@ -2868,7 +2868,7 @@
           <p:cNvPr id="4" name="日期占位符 3">
             <a:extLst>
               <a:ext uri="{FF2B5EF4-FFF2-40B4-BE49-F238E27FC236}">
-                <a16:creationId xmlns:a16="http://schemas.microsoft.com/office/drawing/2014/main" id="{495AFA95-8B7E-DC02-913F-A1D5C3BF7BA1}"/>
+                <a16:creationId xmlns:a16="http://schemas.microsoft.com/office/drawing/2014/main" id="{5ED72C21-2233-B4C9-300F-F4A7B4C19D2C}"/>
               </a:ext>
             </a:extLst>
           </p:cNvPr>
@@ -2902,7 +2902,7 @@
             </a:lvl1pPr>
           </a:lstStyle>
           <a:p>
-            <a:fld id="{528E6622-B464-4DE6-A5C1-A5D1EE0F18EB}" type="datetimeFigureOut">
+            <a:fld id="{056DF6CA-397E-4E3E-8603-82E2DE3A654D}" type="datetimeFigureOut">
               <a:rPr lang="zh-CN" altLang="en-US" smtClean="0"/>
               <a:t>2024/3/10</a:t>
             </a:fld>
@@ -2915,7 +2915,7 @@
           <p:cNvPr id="5" name="页脚占位符 4">
             <a:extLst>
               <a:ext uri="{FF2B5EF4-FFF2-40B4-BE49-F238E27FC236}">
-                <a16:creationId xmlns:a16="http://schemas.microsoft.com/office/drawing/2014/main" id="{2370F716-F4C6-DF89-0922-A57423394F20}"/>
+                <a16:creationId xmlns:a16="http://schemas.microsoft.com/office/drawing/2014/main" id="{0003114F-BB0F-70C9-F37A-EE5F41EA6D3C}"/>
               </a:ext>
             </a:extLst>
           </p:cNvPr>
@@ -2958,7 +2958,7 @@
           <p:cNvPr id="6" name="灯片编号占位符 5">
             <a:extLst>
               <a:ext uri="{FF2B5EF4-FFF2-40B4-BE49-F238E27FC236}">
-                <a16:creationId xmlns:a16="http://schemas.microsoft.com/office/drawing/2014/main" id="{F5BFBC9A-C028-1628-84AB-2A2465AE52F3}"/>
+                <a16:creationId xmlns:a16="http://schemas.microsoft.com/office/drawing/2014/main" id="{85F66C7C-0F07-CEA4-7B2C-ECD98E97C7C1}"/>
               </a:ext>
             </a:extLst>
           </p:cNvPr>
@@ -2992,7 +2992,7 @@
             </a:lvl1pPr>
           </a:lstStyle>
           <a:p>
-            <a:fld id="{0873E447-5A09-4175-83E7-87C0699B4968}" type="slidenum">
+            <a:fld id="{DA12C8EA-8E37-49B3-AC65-55018550F001}" type="slidenum">
               <a:rPr lang="zh-CN" altLang="en-US" smtClean="0"/>
               <a:t>‹#›</a:t>
             </a:fld>
@@ -3003,7 +3003,7 @@
     </p:spTree>
     <p:extLst>
       <p:ext uri="{BB962C8B-B14F-4D97-AF65-F5344CB8AC3E}">
-        <p14:creationId xmlns:p14="http://schemas.microsoft.com/office/powerpoint/2010/main" val="3494100542"/>
+        <p14:creationId xmlns:p14="http://schemas.microsoft.com/office/powerpoint/2010/main" val="3909778292"/>
       </p:ext>
     </p:extLst>
   </p:cSld>
@@ -3323,7 +3323,7 @@
       </p:grpSpPr>
       <p:pic>
         <p:nvPicPr>
-          <p:cNvPr id="1281026" name="Picture 2" descr="1250"/>
+          <p:cNvPr id="1282050" name="Picture 2" descr="1251"/>
           <p:cNvPicPr>
             <a:picLocks noChangeAspect="1" noChangeArrowheads="1"/>
           </p:cNvPicPr>
@@ -3377,7 +3377,7 @@
       </p:pic>
       <p:pic>
         <p:nvPicPr>
-          <p:cNvPr id="1282051" name="Picture 3" descr="1250-2"/>
+          <p:cNvPr id="1283075" name="Picture 3" descr="1251-2"/>
           <p:cNvPicPr>
             <a:picLocks noChangeAspect="1" noChangeArrowheads="1"/>
           </p:cNvPicPr>
@@ -3398,8 +3398,8 @@
         </p:blipFill>
         <p:spPr bwMode="auto">
           <a:xfrm>
-            <a:off x="1501776" y="0"/>
-            <a:ext cx="9166225" cy="6858000"/>
+            <a:off x="1524000" y="0"/>
+            <a:ext cx="9144000" cy="6858000"/>
           </a:xfrm>
           <a:prstGeom prst="rect">
             <a:avLst/>
@@ -3478,7 +3478,7 @@
                                           </p:stCondLst>
                                         </p:cTn>
                                         <p:tgtEl>
-                                          <p:spTgt spid="1282051"/>
+                                          <p:spTgt spid="1283075"/>
                                         </p:tgtEl>
                                         <p:attrNameLst>
                                           <p:attrName>style.visibility</p:attrName>
@@ -3492,7 +3492,7 @@
                                       <p:cBhvr>
                                         <p:cTn id="7" dur="500"/>
                                         <p:tgtEl>
-                                          <p:spTgt spid="1282051"/>
+                                          <p:spTgt spid="1283075"/>
                                         </p:tgtEl>
                                       </p:cBhvr>
                                     </p:animEffect>
